--- a/target/classes/monthly-report/RnD_월간보고_2025년_11월_현황.pptx
+++ b/target/classes/monthly-report/RnD_월간보고_2025년_11월_현황.pptx
@@ -3262,7 +3262,7 @@
                         <a:rPr sz="900">
                           <a:latin typeface="Pretendard Light"/>
                         </a:rPr>
-                        <a:t>878GB/1741GB (50%)</a:t>
+                        <a:t>884GB/1741GB (50%)</a:t>
                       </a:r>
                     </a:p>
                   </a:txBody>
@@ -3478,7 +3478,7 @@
                         <a:rPr sz="900">
                           <a:latin typeface="Pretendard Light"/>
                         </a:rPr>
-                        <a:t>2,737,454,634</a:t>
+                        <a:t>3,176,237,302</a:t>
                       </a:r>
                     </a:p>
                   </a:txBody>
@@ -3876,7 +3876,7 @@
                         <a:rPr sz="900">
                           <a:latin typeface="Pretendard Light"/>
                         </a:rPr>
-                        <a:t>943GB/1741GB (54%)</a:t>
+                        <a:t>951GB/1741GB (54%)</a:t>
                       </a:r>
                     </a:p>
                   </a:txBody>
@@ -4092,7 +4092,7 @@
                         <a:rPr sz="900">
                           <a:latin typeface="Pretendard Light"/>
                         </a:rPr>
-                        <a:t>2,070,526,600</a:t>
+                        <a:t>2,069,447,069</a:t>
                       </a:r>
                     </a:p>
                   </a:txBody>
@@ -4507,7 +4507,7 @@
                         <a:rPr sz="900">
                           <a:latin typeface="Pretendard Light"/>
                         </a:rPr>
-                        <a:t>863GB/1741GB (49%)</a:t>
+                        <a:t>857GB/1741GB (49%)</a:t>
                       </a:r>
                     </a:p>
                   </a:txBody>
@@ -4723,7 +4723,7 @@
                         <a:rPr sz="900">
                           <a:latin typeface="Pretendard Light"/>
                         </a:rPr>
-                        <a:t>3,279,319,482</a:t>
+                        <a:t>2,934,159,927</a:t>
                       </a:r>
                     </a:p>
                   </a:txBody>
@@ -5141,7 +5141,7 @@
                         <a:rPr sz="900">
                           <a:latin typeface="Pretendard Light"/>
                         </a:rPr>
-                        <a:t>939GB/1741GB (53%)</a:t>
+                        <a:t>940GB/1741GB (53%)</a:t>
                       </a:r>
                     </a:p>
                   </a:txBody>
@@ -5360,7 +5360,7 @@
                         <a:rPr sz="900">
                           <a:latin typeface="Pretendard Light"/>
                         </a:rPr>
-                        <a:t>2,757,452,953</a:t>
+                        <a:t>2,758,473,130</a:t>
                       </a:r>
                     </a:p>
                   </a:txBody>
@@ -5878,7 +5878,7 @@
               <a:rPr sz="700">
                 <a:latin typeface="Pretendard Light"/>
               </a:rPr>
-              <a:t>※ 11월 04일 기준</a:t>
+              <a:t>※ 11월 07일 기준</a:t>
             </a:r>
           </a:p>
         </p:txBody>

--- a/target/classes/monthly-report/RnD_월간보고_2025년_11월_현황.pptx
+++ b/target/classes/monthly-report/RnD_월간보고_2025년_11월_현황.pptx
@@ -3262,7 +3262,7 @@
                         <a:rPr sz="900">
                           <a:latin typeface="Pretendard Light"/>
                         </a:rPr>
-                        <a:t>884GB/1741GB (50%)</a:t>
+                        <a:t>964GB/1741GB (55%)</a:t>
                       </a:r>
                     </a:p>
                   </a:txBody>
@@ -3334,7 +3334,7 @@
                         <a:rPr sz="900">
                           <a:latin typeface="Pretendard Light"/>
                         </a:rPr>
-                        <a:t>2%</a:t>
+                        <a:t>3%</a:t>
                       </a:r>
                     </a:p>
                   </a:txBody>
@@ -3406,7 +3406,7 @@
                         <a:rPr sz="900">
                           <a:latin typeface="Pretendard Light"/>
                         </a:rPr>
-                        <a:t>66%</a:t>
+                        <a:t>67%</a:t>
                       </a:r>
                     </a:p>
                   </a:txBody>
@@ -3478,7 +3478,7 @@
                         <a:rPr sz="900">
                           <a:latin typeface="Pretendard Light"/>
                         </a:rPr>
-                        <a:t>3,176,237,302</a:t>
+                        <a:t>3,150,721,360</a:t>
                       </a:r>
                     </a:p>
                   </a:txBody>
@@ -3876,7 +3876,7 @@
                         <a:rPr sz="900">
                           <a:latin typeface="Pretendard Light"/>
                         </a:rPr>
-                        <a:t>951GB/1741GB (54%)</a:t>
+                        <a:t>986GB/1741GB (56%)</a:t>
                       </a:r>
                     </a:p>
                   </a:txBody>
@@ -4092,7 +4092,7 @@
                         <a:rPr sz="900">
                           <a:latin typeface="Pretendard Light"/>
                         </a:rPr>
-                        <a:t>2,069,447,069</a:t>
+                        <a:t>2,073,570,890</a:t>
                       </a:r>
                     </a:p>
                   </a:txBody>
@@ -4507,7 +4507,7 @@
                         <a:rPr sz="900">
                           <a:latin typeface="Pretendard Light"/>
                         </a:rPr>
-                        <a:t>857GB/1741GB (49%)</a:t>
+                        <a:t>935GB/1741GB (53%)</a:t>
                       </a:r>
                     </a:p>
                   </a:txBody>
@@ -4579,7 +4579,7 @@
                         <a:rPr sz="900">
                           <a:latin typeface="Pretendard Light"/>
                         </a:rPr>
-                        <a:t>0%</a:t>
+                        <a:t>1%</a:t>
                       </a:r>
                     </a:p>
                   </a:txBody>
@@ -4651,7 +4651,7 @@
                         <a:rPr sz="900">
                           <a:latin typeface="Pretendard Light"/>
                         </a:rPr>
-                        <a:t>59%</a:t>
+                        <a:t>58%</a:t>
                       </a:r>
                     </a:p>
                   </a:txBody>
@@ -4723,7 +4723,7 @@
                         <a:rPr sz="900">
                           <a:latin typeface="Pretendard Light"/>
                         </a:rPr>
-                        <a:t>2,934,159,927</a:t>
+                        <a:t>3,284,355,961</a:t>
                       </a:r>
                     </a:p>
                   </a:txBody>
@@ -5141,7 +5141,7 @@
                         <a:rPr sz="900">
                           <a:latin typeface="Pretendard Light"/>
                         </a:rPr>
-                        <a:t>940GB/1741GB (53%)</a:t>
+                        <a:t>945GB/1741GB (54%)</a:t>
                       </a:r>
                     </a:p>
                   </a:txBody>
@@ -5360,7 +5360,7 @@
                         <a:rPr sz="900">
                           <a:latin typeface="Pretendard Light"/>
                         </a:rPr>
-                        <a:t>2,758,473,130</a:t>
+                        <a:t>2,842,716,947</a:t>
                       </a:r>
                     </a:p>
                   </a:txBody>
@@ -5878,7 +5878,7 @@
               <a:rPr sz="700">
                 <a:latin typeface="Pretendard Light"/>
               </a:rPr>
-              <a:t>※ 11월 07일 기준</a:t>
+              <a:t>※ 11월 25일 기준</a:t>
             </a:r>
           </a:p>
         </p:txBody>
